--- a/docs/Sprint 2/LAPR3 - Sprint 2 Status Report.pptx
+++ b/docs/Sprint 2/LAPR3 - Sprint 2 Status Report.pptx
@@ -140,7 +140,7 @@
 <file path=ppt/charts/chart1.xml><?xml version="1.0" encoding="utf-8"?>
 <c:chartSpace xmlns:c="http://schemas.openxmlformats.org/drawingml/2006/chart" xmlns:a="http://schemas.openxmlformats.org/drawingml/2006/main" xmlns:r="http://schemas.openxmlformats.org/officeDocument/2006/relationships" xmlns:c16r2="http://schemas.microsoft.com/office/drawing/2015/06/chart">
   <c:date1904 val="0"/>
-  <c:lang val="pt-PT"/>
+  <c:lang val="en-US"/>
   <c:roundedCorners val="0"/>
   <mc:AlternateContent xmlns:mc="http://schemas.openxmlformats.org/markup-compatibility/2006">
     <mc:Choice xmlns:c14="http://schemas.microsoft.com/office/drawing/2007/8/2/chart" Requires="c14">
@@ -211,7 +211,7 @@
               <a:cs typeface="+mn-cs"/>
             </a:defRPr>
           </a:pPr>
-          <a:endParaRPr lang="en-US"/>
+          <a:endParaRPr lang="pt-PT"/>
         </a:p>
       </c:txPr>
     </c:title>
@@ -255,7 +255,7 @@
                   <c:v>Diogo Dias - 1161605</c:v>
                 </c:pt>
                 <c:pt idx="1">
-                  <c:v>Aluno 2</c:v>
+                  <c:v>Duarte Dias - 1190539</c:v>
                 </c:pt>
                 <c:pt idx="2">
                   <c:v>Aluno 3</c:v>
@@ -276,7 +276,7 @@
                   <c:v>2</c:v>
                 </c:pt>
                 <c:pt idx="1">
-                  <c:v>2.5</c:v>
+                  <c:v>2.2000000000000002</c:v>
                 </c:pt>
                 <c:pt idx="2">
                   <c:v>3.5</c:v>
@@ -347,7 +347,7 @@
                 <a:cs typeface="+mn-cs"/>
               </a:defRPr>
             </a:pPr>
-            <a:endParaRPr lang="en-US"/>
+            <a:endParaRPr lang="pt-PT"/>
           </a:p>
         </c:txPr>
         <c:crossAx val="691902368"/>
@@ -406,7 +406,7 @@
                 <a:cs typeface="+mn-cs"/>
               </a:defRPr>
             </a:pPr>
-            <a:endParaRPr lang="en-US"/>
+            <a:endParaRPr lang="pt-PT"/>
           </a:p>
         </c:txPr>
         <c:crossAx val="691907944"/>
@@ -448,7 +448,7 @@
               <a:cs typeface="+mn-cs"/>
             </a:defRPr>
           </a:pPr>
-          <a:endParaRPr lang="en-US"/>
+          <a:endParaRPr lang="pt-PT"/>
         </a:p>
       </c:txPr>
     </c:legend>
@@ -477,7 +477,7 @@
       <a:pPr>
         <a:defRPr/>
       </a:pPr>
-      <a:endParaRPr lang="en-US"/>
+      <a:endParaRPr lang="pt-PT"/>
     </a:p>
   </c:txPr>
   <c:externalData r:id="rId3">
@@ -489,7 +489,7 @@
 <file path=ppt/charts/chart2.xml><?xml version="1.0" encoding="utf-8"?>
 <c:chartSpace xmlns:c="http://schemas.openxmlformats.org/drawingml/2006/chart" xmlns:a="http://schemas.openxmlformats.org/drawingml/2006/main" xmlns:r="http://schemas.openxmlformats.org/officeDocument/2006/relationships" xmlns:c16r2="http://schemas.microsoft.com/office/drawing/2015/06/chart">
   <c:date1904 val="0"/>
-  <c:lang val="pt-PT"/>
+  <c:lang val="en-US"/>
   <c:roundedCorners val="0"/>
   <mc:AlternateContent xmlns:mc="http://schemas.openxmlformats.org/markup-compatibility/2006">
     <mc:Choice xmlns:c14="http://schemas.microsoft.com/office/drawing/2007/8/2/chart" Requires="c14">
@@ -551,7 +551,7 @@
               <a:cs typeface="+mn-cs"/>
             </a:defRPr>
           </a:pPr>
-          <a:endParaRPr lang="en-US"/>
+          <a:endParaRPr lang="pt-PT"/>
         </a:p>
       </c:txPr>
     </c:title>
@@ -783,7 +783,7 @@
               <a:cs typeface="+mn-cs"/>
             </a:defRPr>
           </a:pPr>
-          <a:endParaRPr lang="en-US"/>
+          <a:endParaRPr lang="pt-PT"/>
         </a:p>
       </c:txPr>
     </c:legend>
@@ -812,7 +812,7 @@
       <a:pPr>
         <a:defRPr/>
       </a:pPr>
-      <a:endParaRPr lang="en-US"/>
+      <a:endParaRPr lang="pt-PT"/>
     </a:p>
   </c:txPr>
   <c:externalData r:id="rId3">
@@ -824,7 +824,7 @@
 <file path=ppt/charts/chart3.xml><?xml version="1.0" encoding="utf-8"?>
 <c:chartSpace xmlns:c="http://schemas.openxmlformats.org/drawingml/2006/chart" xmlns:a="http://schemas.openxmlformats.org/drawingml/2006/main" xmlns:r="http://schemas.openxmlformats.org/officeDocument/2006/relationships" xmlns:c16r2="http://schemas.microsoft.com/office/drawing/2015/06/chart">
   <c:date1904 val="0"/>
-  <c:lang val="pt-PT"/>
+  <c:lang val="en-US"/>
   <c:roundedCorners val="0"/>
   <mc:AlternateContent xmlns:mc="http://schemas.openxmlformats.org/markup-compatibility/2006">
     <mc:Choice xmlns:c14="http://schemas.microsoft.com/office/drawing/2007/8/2/chart" Requires="c14">
@@ -891,7 +891,7 @@
               <a:cs typeface="+mn-cs"/>
             </a:defRPr>
           </a:pPr>
-          <a:endParaRPr lang="en-US"/>
+          <a:endParaRPr lang="pt-PT"/>
         </a:p>
       </c:txPr>
     </c:title>
@@ -1028,7 +1028,7 @@
                 <a:cs typeface="+mn-cs"/>
               </a:defRPr>
             </a:pPr>
-            <a:endParaRPr lang="en-US"/>
+            <a:endParaRPr lang="pt-PT"/>
           </a:p>
         </c:txPr>
         <c:crossAx val="634090072"/>
@@ -1087,7 +1087,7 @@
                 <a:cs typeface="+mn-cs"/>
               </a:defRPr>
             </a:pPr>
-            <a:endParaRPr lang="en-US"/>
+            <a:endParaRPr lang="pt-PT"/>
           </a:p>
         </c:txPr>
         <c:crossAx val="634089088"/>
@@ -1129,7 +1129,7 @@
               <a:cs typeface="+mn-cs"/>
             </a:defRPr>
           </a:pPr>
-          <a:endParaRPr lang="en-US"/>
+          <a:endParaRPr lang="pt-PT"/>
         </a:p>
       </c:txPr>
     </c:legend>
@@ -1158,7 +1158,7 @@
       <a:pPr>
         <a:defRPr/>
       </a:pPr>
-      <a:endParaRPr lang="en-US"/>
+      <a:endParaRPr lang="pt-PT"/>
     </a:p>
   </c:txPr>
   <c:externalData r:id="rId3">
@@ -1170,7 +1170,7 @@
 <file path=ppt/charts/chart4.xml><?xml version="1.0" encoding="utf-8"?>
 <c:chartSpace xmlns:c="http://schemas.openxmlformats.org/drawingml/2006/chart" xmlns:a="http://schemas.openxmlformats.org/drawingml/2006/main" xmlns:r="http://schemas.openxmlformats.org/officeDocument/2006/relationships" xmlns:c16r2="http://schemas.microsoft.com/office/drawing/2015/06/chart">
   <c:date1904 val="0"/>
-  <c:lang val="pt-PT"/>
+  <c:lang val="en-US"/>
   <c:roundedCorners val="0"/>
   <mc:AlternateContent xmlns:mc="http://schemas.openxmlformats.org/markup-compatibility/2006">
     <mc:Choice xmlns:c14="http://schemas.microsoft.com/office/drawing/2007/8/2/chart" Requires="c14">
@@ -1466,7 +1466,7 @@
                 <a:cs typeface="+mn-cs"/>
               </a:defRPr>
             </a:pPr>
-            <a:endParaRPr lang="en-US"/>
+            <a:endParaRPr lang="pt-PT"/>
           </a:p>
         </c:txPr>
         <c:crossAx val="583872112"/>
@@ -1525,7 +1525,7 @@
                 <a:cs typeface="+mn-cs"/>
               </a:defRPr>
             </a:pPr>
-            <a:endParaRPr lang="en-US"/>
+            <a:endParaRPr lang="pt-PT"/>
           </a:p>
         </c:txPr>
         <c:crossAx val="583871784"/>
@@ -1567,7 +1567,7 @@
               <a:cs typeface="+mn-cs"/>
             </a:defRPr>
           </a:pPr>
-          <a:endParaRPr lang="en-US"/>
+          <a:endParaRPr lang="pt-PT"/>
         </a:p>
       </c:txPr>
     </c:legend>
@@ -1596,7 +1596,7 @@
       <a:pPr>
         <a:defRPr/>
       </a:pPr>
-      <a:endParaRPr lang="en-US"/>
+      <a:endParaRPr lang="pt-PT"/>
     </a:p>
   </c:txPr>
   <c:externalData r:id="rId3">
@@ -3766,7 +3766,7 @@
             <a:fld id="{5D8AA918-AAAF-A948-AD9D-7282A6CA6554}" type="datetimeFigureOut">
               <a:rPr lang="en-US" smtClean="0"/>
               <a:pPr/>
-              <a:t>12/2/2021</a:t>
+              <a:t>12/5/2021</a:t>
             </a:fld>
             <a:endParaRPr lang="pt-PT"/>
           </a:p>
@@ -3927,7 +3927,7 @@
             <a:fld id="{FC1B708B-99F0-4F4A-8995-6044E0FFF0C7}" type="slidenum">
               <a:rPr lang="pt-PT" smtClean="0"/>
               <a:pPr/>
-              <a:t>‹nº›</a:t>
+              <a:t>‹#›</a:t>
             </a:fld>
             <a:endParaRPr lang="pt-PT"/>
           </a:p>
@@ -4118,7 +4118,7 @@
             <a:fld id="{44B11A7A-C2E1-40A3-A304-BADFC0305F97}" type="datetimeFigureOut">
               <a:rPr lang="pt-PT" smtClean="0"/>
               <a:pPr/>
-              <a:t>02/12/2021</a:t>
+              <a:t>05/12/2021</a:t>
             </a:fld>
             <a:endParaRPr lang="pt-PT"/>
           </a:p>
@@ -4384,7 +4384,7 @@
             <a:fld id="{44B11A7A-C2E1-40A3-A304-BADFC0305F97}" type="datetimeFigureOut">
               <a:rPr lang="pt-PT" smtClean="0"/>
               <a:pPr/>
-              <a:t>02/12/2021</a:t>
+              <a:t>05/12/2021</a:t>
             </a:fld>
             <a:endParaRPr lang="pt-PT"/>
           </a:p>
@@ -4558,7 +4558,7 @@
             <a:fld id="{44B11A7A-C2E1-40A3-A304-BADFC0305F97}" type="datetimeFigureOut">
               <a:rPr lang="pt-PT" smtClean="0"/>
               <a:pPr/>
-              <a:t>02/12/2021</a:t>
+              <a:t>05/12/2021</a:t>
             </a:fld>
             <a:endParaRPr lang="pt-PT"/>
           </a:p>
@@ -4601,7 +4601,7 @@
             <a:fld id="{9F46AC24-9121-4D27-8FE4-0595B5E1EC6D}" type="slidenum">
               <a:rPr lang="pt-PT" smtClean="0"/>
               <a:pPr/>
-              <a:t>‹nº›</a:t>
+              <a:t>‹#›</a:t>
             </a:fld>
             <a:endParaRPr lang="pt-PT"/>
           </a:p>
@@ -4768,7 +4768,7 @@
             <a:fld id="{44B11A7A-C2E1-40A3-A304-BADFC0305F97}" type="datetimeFigureOut">
               <a:rPr lang="pt-PT" smtClean="0"/>
               <a:pPr/>
-              <a:t>02/12/2021</a:t>
+              <a:t>05/12/2021</a:t>
             </a:fld>
             <a:endParaRPr lang="pt-PT"/>
           </a:p>
@@ -4811,7 +4811,7 @@
             <a:fld id="{9F46AC24-9121-4D27-8FE4-0595B5E1EC6D}" type="slidenum">
               <a:rPr lang="pt-PT" smtClean="0"/>
               <a:pPr/>
-              <a:t>‹nº›</a:t>
+              <a:t>‹#›</a:t>
             </a:fld>
             <a:endParaRPr lang="pt-PT"/>
           </a:p>
@@ -5119,7 +5119,7 @@
             <a:fld id="{44B11A7A-C2E1-40A3-A304-BADFC0305F97}" type="datetimeFigureOut">
               <a:rPr lang="pt-PT" smtClean="0"/>
               <a:pPr/>
-              <a:t>02/12/2021</a:t>
+              <a:t>05/12/2021</a:t>
             </a:fld>
             <a:endParaRPr lang="pt-PT"/>
           </a:p>
@@ -5162,7 +5162,7 @@
             <a:fld id="{9F46AC24-9121-4D27-8FE4-0595B5E1EC6D}" type="slidenum">
               <a:rPr lang="pt-PT" smtClean="0"/>
               <a:pPr/>
-              <a:t>‹nº›</a:t>
+              <a:t>‹#›</a:t>
             </a:fld>
             <a:endParaRPr lang="pt-PT"/>
           </a:p>
@@ -5214,7 +5214,7 @@
             <a:fld id="{44B11A7A-C2E1-40A3-A304-BADFC0305F97}" type="datetimeFigureOut">
               <a:rPr lang="pt-PT" smtClean="0"/>
               <a:pPr/>
-              <a:t>02/12/2021</a:t>
+              <a:t>05/12/2021</a:t>
             </a:fld>
             <a:endParaRPr lang="pt-PT"/>
           </a:p>
@@ -5257,7 +5257,7 @@
             <a:fld id="{9F46AC24-9121-4D27-8FE4-0595B5E1EC6D}" type="slidenum">
               <a:rPr lang="pt-PT" smtClean="0"/>
               <a:pPr/>
-              <a:t>‹nº›</a:t>
+              <a:t>‹#›</a:t>
             </a:fld>
             <a:endParaRPr lang="pt-PT"/>
           </a:p>
@@ -5580,7 +5580,7 @@
             <a:fld id="{44B11A7A-C2E1-40A3-A304-BADFC0305F97}" type="datetimeFigureOut">
               <a:rPr lang="pt-PT" smtClean="0"/>
               <a:pPr/>
-              <a:t>02/12/2021</a:t>
+              <a:t>05/12/2021</a:t>
             </a:fld>
             <a:endParaRPr lang="pt-PT"/>
           </a:p>
@@ -5705,7 +5705,7 @@
             <a:fld id="{44B11A7A-C2E1-40A3-A304-BADFC0305F97}" type="datetimeFigureOut">
               <a:rPr lang="pt-PT" smtClean="0"/>
               <a:pPr/>
-              <a:t>02/12/2021</a:t>
+              <a:t>05/12/2021</a:t>
             </a:fld>
             <a:endParaRPr lang="pt-PT"/>
           </a:p>
@@ -5789,7 +5789,7 @@
             <a:fld id="{44B11A7A-C2E1-40A3-A304-BADFC0305F97}" type="datetimeFigureOut">
               <a:rPr lang="pt-PT" smtClean="0"/>
               <a:pPr/>
-              <a:t>02/12/2021</a:t>
+              <a:t>05/12/2021</a:t>
             </a:fld>
             <a:endParaRPr lang="pt-PT"/>
           </a:p>
@@ -5868,7 +5868,7 @@
             <a:fld id="{9F46AC24-9121-4D27-8FE4-0595B5E1EC6D}" type="slidenum">
               <a:rPr lang="pt-PT" smtClean="0"/>
               <a:pPr/>
-              <a:t>‹nº›</a:t>
+              <a:t>‹#›</a:t>
             </a:fld>
             <a:endParaRPr lang="pt-PT"/>
           </a:p>
@@ -6394,7 +6394,7 @@
                   <a:schemeClr val="bg1"/>
                 </a:solidFill>
               </a:rPr>
-              <a:t> (0000000)</a:t>
+              <a:t> (1190539)</a:t>
             </a:r>
             <a:endParaRPr lang="pt-PT" sz="1400" b="0" i="0" u="none" strike="noStrike" kern="1200" cap="none" spc="0" normalizeH="0" baseline="0" noProof="0" dirty="0">
               <a:ln>
@@ -7578,7 +7578,7 @@
           <p:nvPr>
             <p:extLst>
               <p:ext uri="{D42A27DB-BD31-4B8C-83A1-F6EECF244321}">
-                <p14:modId xmlns:p14="http://schemas.microsoft.com/office/powerpoint/2010/main" val="1653508001"/>
+                <p14:modId xmlns:p14="http://schemas.microsoft.com/office/powerpoint/2010/main" val="2518953433"/>
               </p:ext>
             </p:extLst>
           </p:nvPr>
@@ -10053,9 +10053,10 @@
                         <a:buNone/>
                       </a:pPr>
                       <a:r>
-                        <a:rPr lang="pt-PT" dirty="0"/>
-                        <a:t>No</a:t>
+                        <a:rPr lang="pt-PT" dirty="0" err="1"/>
+                        <a:t>Yes</a:t>
                       </a:r>
+                      <a:endParaRPr lang="pt-PT" dirty="0"/>
                     </a:p>
                   </a:txBody>
                   <a:tcPr>
@@ -10206,9 +10207,10 @@
                         <a:buNone/>
                       </a:pPr>
                       <a:r>
-                        <a:rPr lang="pt-PT" dirty="0"/>
-                        <a:t>No</a:t>
+                        <a:rPr lang="pt-PT" dirty="0" err="1"/>
+                        <a:t>Yes</a:t>
                       </a:r>
+                      <a:endParaRPr lang="pt-PT" dirty="0"/>
                     </a:p>
                   </a:txBody>
                   <a:tcPr>
@@ -10273,7 +10275,7 @@
                         <a:defRPr/>
                       </a:pPr>
                       <a:r>
-                        <a:rPr kumimoji="0" lang="pt-PT" sz="1800" b="0" i="0" u="none" strike="noStrike" kern="1200" cap="none" spc="0" normalizeH="0" baseline="0" noProof="0" dirty="0">
+                        <a:rPr kumimoji="0" lang="pt-PT" sz="1800" b="0" i="0" u="none" strike="noStrike" kern="1200" cap="none" spc="0" normalizeH="0" baseline="0" noProof="0" dirty="0" err="1">
                           <a:ln>
                             <a:noFill/>
                           </a:ln>
@@ -10287,8 +10289,22 @@
                           <a:ea typeface="+mn-ea"/>
                           <a:cs typeface="+mn-cs"/>
                         </a:rPr>
-                        <a:t>No</a:t>
+                        <a:t>Yes</a:t>
                       </a:r>
+                      <a:endParaRPr kumimoji="0" lang="pt-PT" sz="1800" b="0" i="0" u="none" strike="noStrike" kern="1200" cap="none" spc="0" normalizeH="0" baseline="0" noProof="0" dirty="0">
+                        <a:ln>
+                          <a:noFill/>
+                        </a:ln>
+                        <a:solidFill>
+                          <a:prstClr val="black"/>
+                        </a:solidFill>
+                        <a:effectLst/>
+                        <a:uLnTx/>
+                        <a:uFillTx/>
+                        <a:latin typeface="Kozuka Gothic Pro R"/>
+                        <a:ea typeface="+mn-ea"/>
+                        <a:cs typeface="+mn-cs"/>
+                      </a:endParaRPr>
                     </a:p>
                   </a:txBody>
                   <a:tcPr>
@@ -14818,7 +14834,7 @@
           <p:nvPr>
             <p:extLst>
               <p:ext uri="{D42A27DB-BD31-4B8C-83A1-F6EECF244321}">
-                <p14:modId xmlns:p14="http://schemas.microsoft.com/office/powerpoint/2010/main" val="3239285406"/>
+                <p14:modId xmlns:p14="http://schemas.microsoft.com/office/powerpoint/2010/main" val="3264106634"/>
               </p:ext>
             </p:extLst>
           </p:nvPr>
@@ -16247,12 +16263,6 @@
 </file>
 
 <file path=customXml/item2.xml><?xml version="1.0" encoding="utf-8"?>
-<p:properties xmlns:p="http://schemas.microsoft.com/office/2006/metadata/properties" xmlns:xsi="http://www.w3.org/2001/XMLSchema-instance" xmlns:pc="http://schemas.microsoft.com/office/infopath/2007/PartnerControls">
-  <documentManagement/>
-</p:properties>
-</file>
-
-<file path=customXml/item3.xml><?xml version="1.0" encoding="utf-8"?>
 <ct:contentTypeSchema xmlns:ct="http://schemas.microsoft.com/office/2006/metadata/contentType" xmlns:ma="http://schemas.microsoft.com/office/2006/metadata/properties/metaAttributes" ct:_="" ma:_="" ma:contentTypeName="Document" ma:contentTypeID="0x0101005836243B3C47804EAF5FFDD9F066FCC7" ma:contentTypeVersion="2" ma:contentTypeDescription="Create a new document." ma:contentTypeScope="" ma:versionID="0469372245184f18195408053fbf9b6d">
   <xsd:schema xmlns:xsd="http://www.w3.org/2001/XMLSchema" xmlns:xs="http://www.w3.org/2001/XMLSchema" xmlns:p="http://schemas.microsoft.com/office/2006/metadata/properties" xmlns:ns2="a1e3ca88-8ae5-4fd0-ba37-40ce669fcbb0" targetNamespace="http://schemas.microsoft.com/office/2006/metadata/properties" ma:root="true" ma:fieldsID="15cd5fdf54d7c5df31b4840e959455b1" ns2:_="">
     <xsd:import namespace="a1e3ca88-8ae5-4fd0-ba37-40ce669fcbb0"/>
@@ -16384,6 +16394,12 @@
 </ct:contentTypeSchema>
 </file>
 
+<file path=customXml/item3.xml><?xml version="1.0" encoding="utf-8"?>
+<p:properties xmlns:p="http://schemas.microsoft.com/office/2006/metadata/properties" xmlns:xsi="http://www.w3.org/2001/XMLSchema-instance" xmlns:pc="http://schemas.microsoft.com/office/infopath/2007/PartnerControls">
+  <documentManagement/>
+</p:properties>
+</file>
+
 <file path=customXml/itemProps1.xml><?xml version="1.0" encoding="utf-8"?>
 <ds:datastoreItem xmlns:ds="http://schemas.openxmlformats.org/officeDocument/2006/customXml" ds:itemID="{4F984168-AABC-4753-B4EC-59CA9D08839F}">
   <ds:schemaRefs>
@@ -16393,22 +16409,6 @@
 </file>
 
 <file path=customXml/itemProps2.xml><?xml version="1.0" encoding="utf-8"?>
-<ds:datastoreItem xmlns:ds="http://schemas.openxmlformats.org/officeDocument/2006/customXml" ds:itemID="{E9B87164-EF5F-43C8-917E-48B38ACAFD1E}">
-  <ds:schemaRefs>
-    <ds:schemaRef ds:uri="http://purl.org/dc/dcmitype/"/>
-    <ds:schemaRef ds:uri="http://schemas.microsoft.com/office/infopath/2007/PartnerControls"/>
-    <ds:schemaRef ds:uri="http://purl.org/dc/elements/1.1/"/>
-    <ds:schemaRef ds:uri="http://schemas.microsoft.com/office/2006/metadata/properties"/>
-    <ds:schemaRef ds:uri="http://schemas.microsoft.com/office/2006/documentManagement/types"/>
-    <ds:schemaRef ds:uri="http://purl.org/dc/terms/"/>
-    <ds:schemaRef ds:uri="http://schemas.openxmlformats.org/package/2006/metadata/core-properties"/>
-    <ds:schemaRef ds:uri="a1e3ca88-8ae5-4fd0-ba37-40ce669fcbb0"/>
-    <ds:schemaRef ds:uri="http://www.w3.org/XML/1998/namespace"/>
-  </ds:schemaRefs>
-</ds:datastoreItem>
-</file>
-
-<file path=customXml/itemProps3.xml><?xml version="1.0" encoding="utf-8"?>
 <ds:datastoreItem xmlns:ds="http://schemas.openxmlformats.org/officeDocument/2006/customXml" ds:itemID="{2092E48C-C6FF-44AE-8C78-D9681B66D30B}">
   <ds:schemaRefs>
     <ds:schemaRef ds:uri="http://schemas.microsoft.com/office/2006/metadata/contentType"/>
@@ -16424,4 +16424,20 @@
     <ds:schemaRef ds:uri="http://schemas.microsoft.com/internal/obd"/>
   </ds:schemaRefs>
 </ds:datastoreItem>
+</file>
+
+<file path=customXml/itemProps3.xml><?xml version="1.0" encoding="utf-8"?>
+<ds:datastoreItem xmlns:ds="http://schemas.openxmlformats.org/officeDocument/2006/customXml" ds:itemID="{E9B87164-EF5F-43C8-917E-48B38ACAFD1E}">
+  <ds:schemaRefs>
+    <ds:schemaRef ds:uri="http://purl.org/dc/dcmitype/"/>
+    <ds:schemaRef ds:uri="http://schemas.microsoft.com/office/infopath/2007/PartnerControls"/>
+    <ds:schemaRef ds:uri="http://purl.org/dc/elements/1.1/"/>
+    <ds:schemaRef ds:uri="http://schemas.microsoft.com/office/2006/metadata/properties"/>
+    <ds:schemaRef ds:uri="http://schemas.microsoft.com/office/2006/documentManagement/types"/>
+    <ds:schemaRef ds:uri="http://purl.org/dc/terms/"/>
+    <ds:schemaRef ds:uri="http://schemas.openxmlformats.org/package/2006/metadata/core-properties"/>
+    <ds:schemaRef ds:uri="a1e3ca88-8ae5-4fd0-ba37-40ce669fcbb0"/>
+    <ds:schemaRef ds:uri="http://www.w3.org/XML/1998/namespace"/>
+  </ds:schemaRefs>
+</ds:datastoreItem>
 </file>